--- a/Weekly-Reports/2023.09.25.pptx
+++ b/Weekly-Reports/2023.09.25.pptx
@@ -246,7 +246,7 @@
           <a:p>
             <a:fld id="{1224017F-B419-455D-B9E9-48696CA0BF31}" type="datetimeFigureOut">
               <a:rPr lang="sv-SE" smtClean="0"/>
-              <a:t>2023-10-02</a:t>
+              <a:t>2023-10-26</a:t>
             </a:fld>
             <a:endParaRPr lang="sv-SE"/>
           </a:p>
@@ -416,7 +416,7 @@
           <a:p>
             <a:fld id="{1224017F-B419-455D-B9E9-48696CA0BF31}" type="datetimeFigureOut">
               <a:rPr lang="sv-SE" smtClean="0"/>
-              <a:t>2023-10-02</a:t>
+              <a:t>2023-10-26</a:t>
             </a:fld>
             <a:endParaRPr lang="sv-SE"/>
           </a:p>
@@ -596,7 +596,7 @@
           <a:p>
             <a:fld id="{1224017F-B419-455D-B9E9-48696CA0BF31}" type="datetimeFigureOut">
               <a:rPr lang="sv-SE" smtClean="0"/>
-              <a:t>2023-10-02</a:t>
+              <a:t>2023-10-26</a:t>
             </a:fld>
             <a:endParaRPr lang="sv-SE"/>
           </a:p>
@@ -766,7 +766,7 @@
           <a:p>
             <a:fld id="{1224017F-B419-455D-B9E9-48696CA0BF31}" type="datetimeFigureOut">
               <a:rPr lang="sv-SE" smtClean="0"/>
-              <a:t>2023-10-02</a:t>
+              <a:t>2023-10-26</a:t>
             </a:fld>
             <a:endParaRPr lang="sv-SE"/>
           </a:p>
@@ -1010,7 +1010,7 @@
           <a:p>
             <a:fld id="{1224017F-B419-455D-B9E9-48696CA0BF31}" type="datetimeFigureOut">
               <a:rPr lang="sv-SE" smtClean="0"/>
-              <a:t>2023-10-02</a:t>
+              <a:t>2023-10-26</a:t>
             </a:fld>
             <a:endParaRPr lang="sv-SE"/>
           </a:p>
@@ -1242,7 +1242,7 @@
           <a:p>
             <a:fld id="{1224017F-B419-455D-B9E9-48696CA0BF31}" type="datetimeFigureOut">
               <a:rPr lang="sv-SE" smtClean="0"/>
-              <a:t>2023-10-02</a:t>
+              <a:t>2023-10-26</a:t>
             </a:fld>
             <a:endParaRPr lang="sv-SE"/>
           </a:p>
@@ -1609,7 +1609,7 @@
           <a:p>
             <a:fld id="{1224017F-B419-455D-B9E9-48696CA0BF31}" type="datetimeFigureOut">
               <a:rPr lang="sv-SE" smtClean="0"/>
-              <a:t>2023-10-02</a:t>
+              <a:t>2023-10-26</a:t>
             </a:fld>
             <a:endParaRPr lang="sv-SE"/>
           </a:p>
@@ -1727,7 +1727,7 @@
           <a:p>
             <a:fld id="{1224017F-B419-455D-B9E9-48696CA0BF31}" type="datetimeFigureOut">
               <a:rPr lang="sv-SE" smtClean="0"/>
-              <a:t>2023-10-02</a:t>
+              <a:t>2023-10-26</a:t>
             </a:fld>
             <a:endParaRPr lang="sv-SE"/>
           </a:p>
@@ -1822,7 +1822,7 @@
           <a:p>
             <a:fld id="{1224017F-B419-455D-B9E9-48696CA0BF31}" type="datetimeFigureOut">
               <a:rPr lang="sv-SE" smtClean="0"/>
-              <a:t>2023-10-02</a:t>
+              <a:t>2023-10-26</a:t>
             </a:fld>
             <a:endParaRPr lang="sv-SE"/>
           </a:p>
@@ -2099,7 +2099,7 @@
           <a:p>
             <a:fld id="{1224017F-B419-455D-B9E9-48696CA0BF31}" type="datetimeFigureOut">
               <a:rPr lang="sv-SE" smtClean="0"/>
-              <a:t>2023-10-02</a:t>
+              <a:t>2023-10-26</a:t>
             </a:fld>
             <a:endParaRPr lang="sv-SE"/>
           </a:p>
@@ -2356,7 +2356,7 @@
           <a:p>
             <a:fld id="{1224017F-B419-455D-B9E9-48696CA0BF31}" type="datetimeFigureOut">
               <a:rPr lang="sv-SE" smtClean="0"/>
-              <a:t>2023-10-02</a:t>
+              <a:t>2023-10-26</a:t>
             </a:fld>
             <a:endParaRPr lang="sv-SE"/>
           </a:p>
@@ -2569,7 +2569,7 @@
           <a:p>
             <a:fld id="{1224017F-B419-455D-B9E9-48696CA0BF31}" type="datetimeFigureOut">
               <a:rPr lang="sv-SE" smtClean="0"/>
-              <a:t>2023-10-02</a:t>
+              <a:t>2023-10-26</a:t>
             </a:fld>
             <a:endParaRPr lang="sv-SE"/>
           </a:p>
